--- a/Documents/Tuan4/Nhom_3_Tuan_4.pptx
+++ b/Documents/Tuan4/Nhom_3_Tuan_4.pptx
@@ -369,7 +369,7 @@
           <a:p>
             <a:fld id="{9184DA70-C731-4C70-880D-CCD4705E623C}" type="datetime1">
               <a:rPr lang="en-US" smtClean="0"/>
-              <a:t>11/21/2019</a:t>
+              <a:t>11/30/2019</a:t>
             </a:fld>
             <a:endParaRPr lang="en-US" dirty="0"/>
           </a:p>
@@ -557,7 +557,7 @@
           <a:p>
             <a:fld id="{B612A279-0833-481D-8C56-F67FD0AC6C50}" type="datetime1">
               <a:rPr lang="en-US" smtClean="0"/>
-              <a:t>11/21/2019</a:t>
+              <a:t>11/30/2019</a:t>
             </a:fld>
             <a:endParaRPr lang="en-US" dirty="0"/>
           </a:p>
@@ -799,7 +799,7 @@
           <a:p>
             <a:fld id="{6587DA83-5663-4C9C-B9AA-0B40A3DAFF81}" type="datetime1">
               <a:rPr lang="en-US" smtClean="0"/>
-              <a:t>11/21/2019</a:t>
+              <a:t>11/30/2019</a:t>
             </a:fld>
             <a:endParaRPr lang="en-US" dirty="0"/>
           </a:p>
@@ -987,7 +987,7 @@
           <a:p>
             <a:fld id="{4BE1D723-8F53-4F53-90B0-1982A396982E}" type="datetime1">
               <a:rPr lang="en-US" smtClean="0"/>
-              <a:t>11/21/2019</a:t>
+              <a:t>11/30/2019</a:t>
             </a:fld>
             <a:endParaRPr lang="en-US" dirty="0"/>
           </a:p>
@@ -1360,7 +1360,7 @@
           <a:p>
             <a:fld id="{97669AF7-7BEB-44E4-9852-375E34362B5B}" type="datetime1">
               <a:rPr lang="en-US" smtClean="0"/>
-              <a:t>11/21/2019</a:t>
+              <a:t>11/30/2019</a:t>
             </a:fld>
             <a:endParaRPr lang="en-US" dirty="0"/>
           </a:p>
@@ -1615,7 +1615,7 @@
           <a:p>
             <a:fld id="{BAAAC38D-0552-4C82-B593-E6124DFADBE2}" type="datetime1">
               <a:rPr lang="en-US" smtClean="0"/>
-              <a:t>11/21/2019</a:t>
+              <a:t>11/30/2019</a:t>
             </a:fld>
             <a:endParaRPr lang="en-US" dirty="0"/>
           </a:p>
@@ -2012,7 +2012,7 @@
           <a:p>
             <a:fld id="{D9DF0F1C-5577-4ACB-BB62-DF8F3C494C7E}" type="datetime1">
               <a:rPr lang="en-US" smtClean="0"/>
-              <a:t>11/21/2019</a:t>
+              <a:t>11/30/2019</a:t>
             </a:fld>
             <a:endParaRPr lang="en-US" dirty="0"/>
           </a:p>
@@ -2148,7 +2148,7 @@
           <a:p>
             <a:fld id="{1775B394-D9F9-4F0C-B15D-605F45CB9E9F}" type="datetime1">
               <a:rPr lang="en-US" smtClean="0"/>
-              <a:t>11/21/2019</a:t>
+              <a:t>11/30/2019</a:t>
             </a:fld>
             <a:endParaRPr lang="en-US" dirty="0"/>
           </a:p>
@@ -2305,7 +2305,7 @@
           <a:p>
             <a:fld id="{39667345-2558-425A-8533-9BFDBCE15005}" type="datetime1">
               <a:rPr lang="en-US" smtClean="0"/>
-              <a:t>11/21/2019</a:t>
+              <a:t>11/30/2019</a:t>
             </a:fld>
             <a:endParaRPr lang="en-US" dirty="0"/>
           </a:p>
@@ -2634,7 +2634,7 @@
           <a:p>
             <a:fld id="{92BEA474-078D-4E9B-9B14-09A87B19DC46}" type="datetime1">
               <a:rPr lang="en-US" smtClean="0"/>
-              <a:t>11/21/2019</a:t>
+              <a:t>11/30/2019</a:t>
             </a:fld>
             <a:endParaRPr lang="en-US" dirty="0"/>
           </a:p>
@@ -2984,7 +2984,7 @@
           <a:p>
             <a:fld id="{4907D986-8816-4272-A432-0437A28A9828}" type="datetime1">
               <a:rPr lang="en-US" smtClean="0"/>
-              <a:t>11/21/2019</a:t>
+              <a:t>11/30/2019</a:t>
             </a:fld>
             <a:endParaRPr lang="en-US" dirty="0"/>
           </a:p>
@@ -3245,7 +3245,7 @@
           <a:p>
             <a:fld id="{62D6E202-B606-4609-B914-27C9371A1F6D}" type="datetime1">
               <a:rPr lang="en-US" smtClean="0"/>
-              <a:t>11/21/2019</a:t>
+              <a:t>11/30/2019</a:t>
             </a:fld>
             <a:endParaRPr lang="en-US" dirty="0"/>
           </a:p>
@@ -3784,7 +3784,7 @@
                 <a16:creationId xmlns:a16="http://schemas.microsoft.com/office/drawing/2014/main" id="{A9286AD2-18A9-4868-A4E3-7A2097A20810}"/>
               </a:ext>
               <a:ext uri="{C183D7F6-B498-43B3-948B-1728B52AA6E4}">
-                <adec:decorative xmlns:adec="http://schemas.microsoft.com/office/drawing/2017/decorative" xmlns="" val="1"/>
+                <adec:decorative xmlns="" xmlns:adec="http://schemas.microsoft.com/office/drawing/2017/decorative" val="1"/>
               </a:ext>
             </a:extLst>
           </p:cNvPr>
@@ -4159,7 +4159,7 @@
                 <a16:creationId xmlns:a16="http://schemas.microsoft.com/office/drawing/2014/main" id="{E7A7CD63-7EC3-44F3-95D0-595C4019FF24}"/>
               </a:ext>
               <a:ext uri="{C183D7F6-B498-43B3-948B-1728B52AA6E4}">
-                <adec:decorative xmlns:adec="http://schemas.microsoft.com/office/drawing/2017/decorative" xmlns="" val="1"/>
+                <adec:decorative xmlns="" xmlns:adec="http://schemas.microsoft.com/office/drawing/2017/decorative" val="1"/>
               </a:ext>
             </a:extLst>
           </p:cNvPr>
@@ -5007,7 +5007,7 @@
                 <a16:creationId xmlns:a16="http://schemas.microsoft.com/office/drawing/2014/main" id="{A8E9C91B-7EAD-4562-AB0E-DFB9663AECE3}"/>
               </a:ext>
               <a:ext uri="{C183D7F6-B498-43B3-948B-1728B52AA6E4}">
-                <adec:decorative xmlns:adec="http://schemas.microsoft.com/office/drawing/2017/decorative" xmlns="" val="1"/>
+                <adec:decorative xmlns="" xmlns:adec="http://schemas.microsoft.com/office/drawing/2017/decorative" val="1"/>
               </a:ext>
             </a:extLst>
           </p:cNvPr>
@@ -5157,7 +5157,7 @@
                 <a16:creationId xmlns:a16="http://schemas.microsoft.com/office/drawing/2014/main" id="{F64BBAA4-C62B-4146-B49F-FE4CC4655EE0}"/>
               </a:ext>
               <a:ext uri="{C183D7F6-B498-43B3-948B-1728B52AA6E4}">
-                <adec:decorative xmlns:adec="http://schemas.microsoft.com/office/drawing/2017/decorative" xmlns="" val="1"/>
+                <adec:decorative xmlns="" xmlns:adec="http://schemas.microsoft.com/office/drawing/2017/decorative" val="1"/>
               </a:ext>
             </a:extLst>
           </p:cNvPr>
@@ -5258,7 +5258,7 @@
                 <a16:creationId xmlns:a16="http://schemas.microsoft.com/office/drawing/2014/main" id="{EEB57AA8-F021-480C-A9E2-F89913313611}"/>
               </a:ext>
               <a:ext uri="{C183D7F6-B498-43B3-948B-1728B52AA6E4}">
-                <adec:decorative xmlns:adec="http://schemas.microsoft.com/office/drawing/2017/decorative" xmlns="" val="1"/>
+                <adec:decorative xmlns="" xmlns:adec="http://schemas.microsoft.com/office/drawing/2017/decorative" val="1"/>
               </a:ext>
             </a:extLst>
           </p:cNvPr>
@@ -5348,7 +5348,7 @@
                 <a16:creationId xmlns:a16="http://schemas.microsoft.com/office/drawing/2014/main" id="{75CF30C0-9394-4459-976E-2AA223FB125F}"/>
               </a:ext>
               <a:ext uri="{C183D7F6-B498-43B3-948B-1728B52AA6E4}">
-                <adec:decorative xmlns:adec="http://schemas.microsoft.com/office/drawing/2017/decorative" xmlns="" val="1"/>
+                <adec:decorative xmlns="" xmlns:adec="http://schemas.microsoft.com/office/drawing/2017/decorative" val="1"/>
               </a:ext>
             </a:extLst>
           </p:cNvPr>
@@ -5410,14 +5410,14 @@
           <p:nvPr>
             <p:extLst>
               <p:ext uri="{D42A27DB-BD31-4B8C-83A1-F6EECF244321}">
-                <p14:modId xmlns:p14="http://schemas.microsoft.com/office/powerpoint/2010/main" val="1089055451"/>
+                <p14:modId xmlns:p14="http://schemas.microsoft.com/office/powerpoint/2010/main" val="1331061638"/>
               </p:ext>
             </p:extLst>
           </p:nvPr>
         </p:nvGraphicFramePr>
         <p:xfrm>
           <a:off x="4653447" y="805561"/>
-          <a:ext cx="6892560" cy="4908056"/>
+          <a:ext cx="6892560" cy="4309780"/>
         </p:xfrm>
         <a:graphic>
           <a:graphicData uri="http://schemas.openxmlformats.org/drawingml/2006/table">
@@ -5734,7 +5734,7 @@
                         </a:spcAft>
                       </a:pPr>
                       <a:r>
-                        <a:rPr lang="vi-VN" sz="1800">
+                        <a:rPr lang="vi-VN" sz="1800" dirty="0">
                           <a:solidFill>
                             <a:schemeClr val="tx1">
                               <a:lumMod val="75000"/>
@@ -5744,9 +5744,9 @@
                           <a:effectLst/>
                           <a:latin typeface="+mj-lt"/>
                         </a:rPr>
-                        <a:t>18424036</a:t>
+                        <a:t>18424038</a:t>
                       </a:r>
-                      <a:endParaRPr lang="en-US" sz="1800">
+                      <a:endParaRPr lang="en-US" sz="1800" dirty="0">
                         <a:solidFill>
                           <a:schemeClr val="tx1">
                             <a:lumMod val="75000"/>
@@ -5773,145 +5773,9 @@
                         <a:srgbClr val="C7C6C1"/>
                       </a:solidFill>
                       <a:prstDash val="solid"/>
-                    </a:lnT>
-                    <a:lnB w="9525" cap="flat" cmpd="sng" algn="ctr">
-                      <a:solidFill>
-                        <a:srgbClr val="C7C6C1"/>
-                      </a:solidFill>
-                      <a:prstDash val="solid"/>
-                    </a:lnB>
-                    <a:noFill/>
-                  </a:tcPr>
-                </a:tc>
-                <a:tc>
-                  <a:txBody>
-                    <a:bodyPr/>
-                    <a:lstStyle/>
-                    <a:p>
-                      <a:pPr marL="0" marR="0">
-                        <a:lnSpc>
-                          <a:spcPct val="115000"/>
-                        </a:lnSpc>
-                        <a:spcBef>
-                          <a:spcPts val="0"/>
-                        </a:spcBef>
-                        <a:spcAft>
-                          <a:spcPts val="0"/>
-                        </a:spcAft>
-                      </a:pPr>
-                      <a:r>
-                        <a:rPr lang="vi-VN" sz="1800">
-                          <a:solidFill>
-                            <a:schemeClr val="tx1">
-                              <a:lumMod val="75000"/>
-                              <a:lumOff val="25000"/>
-                            </a:schemeClr>
-                          </a:solidFill>
-                          <a:effectLst/>
-                          <a:latin typeface="+mj-lt"/>
-                        </a:rPr>
-                        <a:t>Đỗ Đăng Khoa</a:t>
-                      </a:r>
-                      <a:endParaRPr lang="en-US" sz="1800">
-                        <a:solidFill>
-                          <a:schemeClr val="tx1">
-                            <a:lumMod val="75000"/>
-                            <a:lumOff val="25000"/>
-                          </a:schemeClr>
-                        </a:solidFill>
-                        <a:effectLst/>
-                        <a:latin typeface="+mj-lt"/>
-                        <a:ea typeface="Arial" panose="020B0604020202020204" pitchFamily="34" charset="0"/>
-                      </a:endParaRPr>
-                    </a:p>
-                  </a:txBody>
-                  <a:tcPr marL="264449" marR="198336" marT="132224" marB="132224">
-                    <a:lnL w="12700" cmpd="sng">
-                      <a:noFill/>
-                      <a:prstDash val="solid"/>
-                    </a:lnL>
-                    <a:lnR w="12700" cmpd="sng">
-                      <a:noFill/>
-                      <a:prstDash val="solid"/>
-                    </a:lnR>
-                    <a:lnT w="9525" cap="flat" cmpd="sng" algn="ctr">
-                      <a:solidFill>
-                        <a:srgbClr val="C7C6C1"/>
-                      </a:solidFill>
-                      <a:prstDash val="solid"/>
-                    </a:lnT>
-                    <a:lnB w="9525" cap="flat" cmpd="sng" algn="ctr">
-                      <a:solidFill>
-                        <a:srgbClr val="C7C6C1"/>
-                      </a:solidFill>
-                      <a:prstDash val="solid"/>
-                    </a:lnB>
-                    <a:noFill/>
-                  </a:tcPr>
-                </a:tc>
-                <a:extLst>
-                  <a:ext uri="{0D108BD9-81ED-4DB2-BD59-A6C34878D82A}">
-                    <a16:rowId xmlns:a16="http://schemas.microsoft.com/office/drawing/2014/main" val="105779935"/>
-                  </a:ext>
-                </a:extLst>
-              </a:tr>
-              <a:tr h="598276">
-                <a:tc>
-                  <a:txBody>
-                    <a:bodyPr/>
-                    <a:lstStyle/>
-                    <a:p>
-                      <a:pPr marL="0" marR="0">
-                        <a:lnSpc>
-                          <a:spcPct val="115000"/>
-                        </a:lnSpc>
-                        <a:spcBef>
-                          <a:spcPts val="0"/>
-                        </a:spcBef>
-                        <a:spcAft>
-                          <a:spcPts val="0"/>
-                        </a:spcAft>
-                      </a:pPr>
-                      <a:r>
-                        <a:rPr lang="vi-VN" sz="1800">
-                          <a:solidFill>
-                            <a:schemeClr val="tx1">
-                              <a:lumMod val="75000"/>
-                              <a:lumOff val="25000"/>
-                            </a:schemeClr>
-                          </a:solidFill>
-                          <a:effectLst/>
-                          <a:latin typeface="+mj-lt"/>
-                        </a:rPr>
-                        <a:t>18424038</a:t>
-                      </a:r>
-                      <a:endParaRPr lang="en-US" sz="1800">
-                        <a:solidFill>
-                          <a:schemeClr val="tx1">
-                            <a:lumMod val="75000"/>
-                            <a:lumOff val="25000"/>
-                          </a:schemeClr>
-                        </a:solidFill>
-                        <a:effectLst/>
-                        <a:latin typeface="+mj-lt"/>
-                        <a:ea typeface="Arial" panose="020B0604020202020204" pitchFamily="34" charset="0"/>
-                      </a:endParaRPr>
-                    </a:p>
-                  </a:txBody>
-                  <a:tcPr marL="264449" marR="198336" marT="132224" marB="132224">
-                    <a:lnL w="12700" cmpd="sng">
-                      <a:noFill/>
-                      <a:prstDash val="solid"/>
-                    </a:lnL>
-                    <a:lnR w="12700" cmpd="sng">
-                      <a:noFill/>
-                      <a:prstDash val="solid"/>
-                    </a:lnR>
-                    <a:lnT w="9525" cap="flat" cmpd="sng" algn="ctr">
-                      <a:solidFill>
-                        <a:srgbClr val="C7C6C1"/>
-                      </a:solidFill>
-                      <a:prstDash val="solid"/>
+                      <a:round/>
+                      <a:headEnd type="none" w="med" len="med"/>
+                      <a:tailEnd type="none" w="med" len="med"/>
                     </a:lnT>
                     <a:lnB w="9525" cap="flat" cmpd="sng" algn="ctr">
                       <a:solidFill>
@@ -5978,6 +5842,9 @@
                         <a:srgbClr val="C7C6C1"/>
                       </a:solidFill>
                       <a:prstDash val="solid"/>
+                      <a:round/>
+                      <a:headEnd type="none" w="med" len="med"/>
+                      <a:tailEnd type="none" w="med" len="med"/>
                     </a:lnT>
                     <a:lnB w="9525" cap="flat" cmpd="sng" algn="ctr">
                       <a:solidFill>
